--- a/PPTs/L0.1 Why Learn Assembly.pptx
+++ b/PPTs/L0.1 Why Learn Assembly.pptx
@@ -145,66 +145,6 @@
 </p:presentation>
 </file>
 
-<file path=ppt/changesInfos/changesInfo1.xml><?xml version="1.0" encoding="utf-8"?>
-<pc:chgInfo xmlns:a="http://schemas.openxmlformats.org/drawingml/2006/main" xmlns:r="http://schemas.openxmlformats.org/officeDocument/2006/relationships" xmlns:ac="http://schemas.microsoft.com/office/drawing/2013/main/command" xmlns:pc="http://schemas.microsoft.com/office/powerpoint/2013/main/command">
-  <pc:docChgLst>
-    <pc:chgData name="Zonghua Gu" userId="9a7e1853e1951ef5" providerId="LiveId" clId="{CF1FAA12-072C-4ED5-BA76-0FFFAEFDB88A}"/>
-    <pc:docChg chg="undo custSel addSld delSld modSld">
-      <pc:chgData name="Zonghua Gu" userId="9a7e1853e1951ef5" providerId="LiveId" clId="{CF1FAA12-072C-4ED5-BA76-0FFFAEFDB88A}" dt="2025-12-30T21:12:54.919" v="163" actId="14100"/>
-      <pc:docMkLst>
-        <pc:docMk/>
-      </pc:docMkLst>
-      <pc:sldChg chg="modSp mod">
-        <pc:chgData name="Zonghua Gu" userId="9a7e1853e1951ef5" providerId="LiveId" clId="{CF1FAA12-072C-4ED5-BA76-0FFFAEFDB88A}" dt="2025-12-30T21:12:30.100" v="161" actId="6549"/>
-        <pc:sldMkLst>
-          <pc:docMk/>
-          <pc:sldMk cId="1683281344" sldId="256"/>
-        </pc:sldMkLst>
-        <pc:spChg chg="mod">
-          <ac:chgData name="Zonghua Gu" userId="9a7e1853e1951ef5" providerId="LiveId" clId="{CF1FAA12-072C-4ED5-BA76-0FFFAEFDB88A}" dt="2025-12-30T21:12:30.100" v="161" actId="6549"/>
-          <ac:spMkLst>
-            <pc:docMk/>
-            <pc:sldMk cId="1683281344" sldId="256"/>
-            <ac:spMk id="6" creationId="{00000000-0000-0000-0000-000000000000}"/>
-          </ac:spMkLst>
-        </pc:spChg>
-      </pc:sldChg>
-      <pc:sldChg chg="delSp modSp mod">
-        <pc:chgData name="Zonghua Gu" userId="9a7e1853e1951ef5" providerId="LiveId" clId="{CF1FAA12-072C-4ED5-BA76-0FFFAEFDB88A}" dt="2025-12-30T21:12:54.919" v="163" actId="14100"/>
-        <pc:sldMkLst>
-          <pc:docMk/>
-          <pc:sldMk cId="2741902536" sldId="314"/>
-        </pc:sldMkLst>
-        <pc:spChg chg="del">
-          <ac:chgData name="Zonghua Gu" userId="9a7e1853e1951ef5" providerId="LiveId" clId="{CF1FAA12-072C-4ED5-BA76-0FFFAEFDB88A}" dt="2025-12-30T21:12:51.990" v="162" actId="478"/>
-          <ac:spMkLst>
-            <pc:docMk/>
-            <pc:sldMk cId="2741902536" sldId="314"/>
-            <ac:spMk id="4" creationId="{4464D733-0F0F-BD4D-A3C7-E49F9087B6B9}"/>
-          </ac:spMkLst>
-        </pc:spChg>
-        <pc:spChg chg="mod">
-          <ac:chgData name="Zonghua Gu" userId="9a7e1853e1951ef5" providerId="LiveId" clId="{CF1FAA12-072C-4ED5-BA76-0FFFAEFDB88A}" dt="2025-12-30T21:12:54.919" v="163" actId="14100"/>
-          <ac:spMkLst>
-            <pc:docMk/>
-            <pc:sldMk cId="2741902536" sldId="314"/>
-            <ac:spMk id="244739" creationId="{00000000-0000-0000-0000-000000000000}"/>
-          </ac:spMkLst>
-        </pc:spChg>
-        <pc:picChg chg="del">
-          <ac:chgData name="Zonghua Gu" userId="9a7e1853e1951ef5" providerId="LiveId" clId="{CF1FAA12-072C-4ED5-BA76-0FFFAEFDB88A}" dt="2025-12-30T21:12:51.990" v="162" actId="478"/>
-          <ac:picMkLst>
-            <pc:docMk/>
-            <pc:sldMk cId="2741902536" sldId="314"/>
-            <ac:picMk id="3" creationId="{1D613110-FD66-DC4D-86AB-EB90780712E3}"/>
-          </ac:picMkLst>
-        </pc:picChg>
-      </pc:sldChg>
-    </pc:docChg>
-  </pc:docChgLst>
-</pc:chgInfo>
-</file>
-
 <file path=ppt/notesMasters/notesMaster1.xml><?xml version="1.0" encoding="utf-8"?>
 <p:notesMaster xmlns:a="http://schemas.openxmlformats.org/drawingml/2006/main" xmlns:r="http://schemas.openxmlformats.org/officeDocument/2006/relationships" xmlns:p="http://schemas.openxmlformats.org/presentationml/2006/main">
   <p:cSld>
@@ -288,7 +228,7 @@
             <a:fld id="{687A5E3F-0972-45A4-AC9E-F4F032C2257A}" type="datetimeFigureOut">
               <a:rPr lang="en-US" smtClean="0"/>
               <a:pPr/>
-              <a:t>12/30/2025</a:t>
+              <a:t>1/27/2026</a:t>
             </a:fld>
             <a:endParaRPr lang="en-US"/>
           </a:p>
@@ -2117,7 +2057,7 @@
             <a:fld id="{5385DBA2-727B-43EE-B61A-7232050E756A}" type="datetime1">
               <a:rPr lang="en-US" smtClean="0"/>
               <a:pPr eaLnBrk="1" latinLnBrk="0" hangingPunct="1"/>
-              <a:t>12/30/2025</a:t>
+              <a:t>1/27/2026</a:t>
             </a:fld>
             <a:endParaRPr lang="en-US" sz="1600" dirty="0"/>
           </a:p>
@@ -2478,7 +2418,7 @@
             <a:fld id="{358F74D6-AB91-42D2-8101-D1947966E076}" type="datetime1">
               <a:rPr lang="en-US" smtClean="0"/>
               <a:pPr eaLnBrk="1" latinLnBrk="0" hangingPunct="1"/>
-              <a:t>12/30/2025</a:t>
+              <a:t>1/27/2026</a:t>
             </a:fld>
             <a:endParaRPr lang="en-US"/>
           </a:p>
@@ -2655,7 +2595,7 @@
             <a:fld id="{5BC2DAB9-8EA6-4157-980F-5E7CBF565945}" type="datetime1">
               <a:rPr lang="en-US" smtClean="0"/>
               <a:pPr eaLnBrk="1" latinLnBrk="0" hangingPunct="1"/>
-              <a:t>12/30/2025</a:t>
+              <a:t>1/27/2026</a:t>
             </a:fld>
             <a:endParaRPr lang="en-US"/>
           </a:p>
@@ -2892,7 +2832,7 @@
             <a:fld id="{FD3CB0AB-D709-47D9-B108-C72463926FD4}" type="datetime1">
               <a:rPr lang="en-US" smtClean="0"/>
               <a:pPr eaLnBrk="1" latinLnBrk="0" hangingPunct="1"/>
-              <a:t>12/30/2025</a:t>
+              <a:t>1/27/2026</a:t>
             </a:fld>
             <a:endParaRPr lang="en-US" dirty="0"/>
           </a:p>
@@ -3163,7 +3103,7 @@
             <a:fld id="{A15A26EE-9A10-4DC6-9165-C6231F65734D}" type="datetime1">
               <a:rPr lang="en-US" smtClean="0"/>
               <a:pPr eaLnBrk="1" latinLnBrk="0" hangingPunct="1"/>
-              <a:t>12/30/2025</a:t>
+              <a:t>1/27/2026</a:t>
             </a:fld>
             <a:endParaRPr lang="en-US" dirty="0"/>
           </a:p>
@@ -3385,7 +3325,7 @@
             <a:fld id="{A38F1204-C368-4730-89D0-2AA4D8D0FAB9}" type="datetime1">
               <a:rPr lang="en-US" smtClean="0"/>
               <a:pPr eaLnBrk="1" latinLnBrk="0" hangingPunct="1"/>
-              <a:t>12/30/2025</a:t>
+              <a:t>1/27/2026</a:t>
             </a:fld>
             <a:endParaRPr lang="en-US"/>
           </a:p>
@@ -3739,7 +3679,7 @@
             <a:fld id="{B9A52CCE-3D4A-4822-AB92-D51BD1732F26}" type="datetime1">
               <a:rPr lang="en-US" smtClean="0"/>
               <a:pPr eaLnBrk="1" latinLnBrk="0" hangingPunct="1"/>
-              <a:t>12/30/2025</a:t>
+              <a:t>1/27/2026</a:t>
             </a:fld>
             <a:endParaRPr lang="en-US"/>
           </a:p>
@@ -3973,7 +3913,7 @@
             <a:fld id="{FB10BC51-9A51-4195-AB26-809709A20093}" type="datetime1">
               <a:rPr lang="en-US" smtClean="0"/>
               <a:pPr eaLnBrk="1" latinLnBrk="0" hangingPunct="1"/>
-              <a:t>12/30/2025</a:t>
+              <a:t>1/27/2026</a:t>
             </a:fld>
             <a:endParaRPr lang="en-US"/>
           </a:p>
@@ -4116,7 +4056,7 @@
             <a:fld id="{F53E6368-F58E-49F3-B7B5-FC7AF9F17FE0}" type="datetime1">
               <a:rPr lang="en-US" smtClean="0"/>
               <a:pPr eaLnBrk="1" latinLnBrk="0" hangingPunct="1"/>
-              <a:t>12/30/2025</a:t>
+              <a:t>1/27/2026</a:t>
             </a:fld>
             <a:endParaRPr lang="en-US"/>
           </a:p>
@@ -4395,7 +4335,7 @@
             <a:fld id="{142A515F-6EF2-4223-93EA-CB9BA509637A}" type="datetime1">
               <a:rPr lang="en-US" smtClean="0"/>
               <a:pPr eaLnBrk="1" latinLnBrk="0" hangingPunct="1"/>
-              <a:t>12/30/2025</a:t>
+              <a:t>1/27/2026</a:t>
             </a:fld>
             <a:endParaRPr lang="en-US"/>
           </a:p>
@@ -4804,7 +4744,7 @@
             <a:fld id="{5F777A1D-A95B-4F83-8E3E-DFE663370841}" type="datetime1">
               <a:rPr lang="en-US" smtClean="0"/>
               <a:pPr eaLnBrk="1" latinLnBrk="0" hangingPunct="1"/>
-              <a:t>12/30/2025</a:t>
+              <a:t>1/27/2026</a:t>
             </a:fld>
             <a:endParaRPr lang="en-US"/>
           </a:p>
@@ -5143,7 +5083,7 @@
             <a:fld id="{EDB75FB9-5078-4BA9-9F83-227F6C9A4C15}" type="datetime1">
               <a:rPr lang="en-US" smtClean="0"/>
               <a:pPr eaLnBrk="1" latinLnBrk="0" hangingPunct="1"/>
-              <a:t>12/30/2025</a:t>
+              <a:t>1/27/2026</a:t>
             </a:fld>
             <a:endParaRPr lang="en-US" sz="1400" dirty="0">
               <a:solidFill>
@@ -12456,7 +12396,7 @@
         </p:spPr>
         <p:txBody>
           <a:bodyPr>
-            <a:normAutofit/>
+            <a:normAutofit fontScale="92500" lnSpcReduction="10000"/>
           </a:bodyPr>
           <a:lstStyle/>
           <a:p>
@@ -12481,6 +12421,12 @@
             <a:r>
               <a:rPr lang="en-US" sz="2800" dirty="0"/>
               <a:t>Understanding assembly helps us write better HLLs</a:t>
+            </a:r>
+          </a:p>
+          <a:p>
+            <a:r>
+              <a:rPr lang="en-US" sz="2800" dirty="0"/>
+              <a:t>Reverse engineering of software without source code, for security attacks/defenses</a:t>
             </a:r>
           </a:p>
         </p:txBody>
